--- a/docs/Data_Science_Challenge.pptx
+++ b/docs/Data_Science_Challenge.pptx
@@ -311,7 +311,7 @@
             <a:fld id="{06F053B8-FB04-4AB0-A080-AB7AE9E56315}" type="datetimeFigureOut">
               <a:rPr lang="de-DE" smtClean="0"/>
               <a:pPr/>
-              <a:t>01.08.2023</a:t>
+              <a:t>30.08.2023</a:t>
             </a:fld>
             <a:endParaRPr lang="de-DE" dirty="0"/>
           </a:p>
@@ -378,7 +378,7 @@
             <a:fld id="{DC6B928E-9091-4764-9D3D-C4097BD97814}" type="slidenum">
               <a:rPr lang="de-DE" smtClean="0"/>
               <a:pPr/>
-              <a:t>‹Nr.›</a:t>
+              <a:t>‹#›</a:t>
             </a:fld>
             <a:endParaRPr lang="de-DE" dirty="0"/>
           </a:p>
@@ -478,7 +478,7 @@
             <a:fld id="{A4D91BE1-7962-4D26-99A9-07CE70F19314}" type="datetimeFigureOut">
               <a:rPr lang="de-DE" smtClean="0"/>
               <a:pPr/>
-              <a:t>01.08.2023</a:t>
+              <a:t>30.08.2023</a:t>
             </a:fld>
             <a:endParaRPr lang="de-DE" dirty="0"/>
           </a:p>
@@ -637,7 +637,7 @@
             <a:fld id="{3809F13D-5E3F-4C20-ADC0-C88A2660A513}" type="slidenum">
               <a:rPr lang="de-DE" smtClean="0"/>
               <a:pPr/>
-              <a:t>‹Nr.›</a:t>
+              <a:t>‹#›</a:t>
             </a:fld>
             <a:endParaRPr lang="de-DE" dirty="0"/>
           </a:p>
@@ -25234,7 +25234,7 @@
                 <a14:useLocalDpi xmlns:a14="http://schemas.microsoft.com/office/drawing/2010/main"/>
               </a:ext>
               <a:ext uri="{96DAC541-7B7A-43D3-8B79-37D633B846F1}">
-                <asvg:svgBlip xmlns:asvg="http://schemas.microsoft.com/office/drawing/2016/SVG/main" r:embed="rId4"/>
+                <asvg:svgBlip xmlns:asvg="http://schemas.microsoft.com/office/drawing/2016/SVG/main" xmlns="" r:embed="rId4"/>
               </a:ext>
             </a:extLst>
           </a:blip>
@@ -25273,7 +25273,7 @@
                 <a14:useLocalDpi xmlns:a14="http://schemas.microsoft.com/office/drawing/2010/main"/>
               </a:ext>
               <a:ext uri="{96DAC541-7B7A-43D3-8B79-37D633B846F1}">
-                <asvg:svgBlip xmlns:asvg="http://schemas.microsoft.com/office/drawing/2016/SVG/main" r:embed="rId6"/>
+                <asvg:svgBlip xmlns:asvg="http://schemas.microsoft.com/office/drawing/2016/SVG/main" xmlns="" r:embed="rId6"/>
               </a:ext>
             </a:extLst>
           </a:blip>
@@ -25312,7 +25312,7 @@
                 <a14:useLocalDpi xmlns:a14="http://schemas.microsoft.com/office/drawing/2010/main"/>
               </a:ext>
               <a:ext uri="{96DAC541-7B7A-43D3-8B79-37D633B846F1}">
-                <asvg:svgBlip xmlns:asvg="http://schemas.microsoft.com/office/drawing/2016/SVG/main" r:embed="rId8"/>
+                <asvg:svgBlip xmlns:asvg="http://schemas.microsoft.com/office/drawing/2016/SVG/main" xmlns="" r:embed="rId8"/>
               </a:ext>
             </a:extLst>
           </a:blip>
@@ -25351,7 +25351,7 @@
                 <a14:useLocalDpi xmlns:a14="http://schemas.microsoft.com/office/drawing/2010/main"/>
               </a:ext>
               <a:ext uri="{96DAC541-7B7A-43D3-8B79-37D633B846F1}">
-                <asvg:svgBlip xmlns:asvg="http://schemas.microsoft.com/office/drawing/2016/SVG/main" r:embed="rId10"/>
+                <asvg:svgBlip xmlns:asvg="http://schemas.microsoft.com/office/drawing/2016/SVG/main" xmlns="" r:embed="rId10"/>
               </a:ext>
             </a:extLst>
           </a:blip>
@@ -31121,7 +31121,7 @@
                 <a:cs typeface="Verdana" panose="020B0604030504040204" pitchFamily="34" charset="0"/>
               </a:rPr>
               <a:pPr algn="r"/>
-              <a:t>‹Nr.›</a:t>
+              <a:t>‹#›</a:t>
             </a:fld>
             <a:r>
               <a:rPr lang="en-GB" sz="1000" dirty="0">
@@ -32501,6 +32501,10 @@
             <a:br>
               <a:rPr lang="en-GB"/>
             </a:br>
+            <a:r>
+              <a:rPr lang="en-GB"/>
+              <a:t/>
+            </a:r>
             <a:br>
               <a:rPr lang="en-GB"/>
             </a:br>
@@ -33006,6 +33010,14 @@
   <p:clrMapOvr>
     <a:masterClrMapping/>
   </p:clrMapOvr>
+  <mc:AlternateContent xmlns:mc="http://schemas.openxmlformats.org/markup-compatibility/2006">
+    <mc:Choice xmlns:p14="http://schemas.microsoft.com/office/powerpoint/2010/main" Requires="p14">
+      <p:transition spd="slow" p14:dur="2000"/>
+    </mc:Choice>
+    <mc:Fallback>
+      <p:transition spd="slow"/>
+    </mc:Fallback>
+  </mc:AlternateContent>
 </p:sld>
 </file>
 
@@ -33150,6 +33162,14 @@
   <p:clrMapOvr>
     <a:masterClrMapping/>
   </p:clrMapOvr>
+  <mc:AlternateContent xmlns:mc="http://schemas.openxmlformats.org/markup-compatibility/2006">
+    <mc:Choice xmlns:p14="http://schemas.microsoft.com/office/powerpoint/2010/main" Requires="p14">
+      <p:transition spd="slow" p14:dur="2000"/>
+    </mc:Choice>
+    <mc:Fallback>
+      <p:transition spd="slow"/>
+    </mc:Fallback>
+  </mc:AlternateContent>
 </p:sld>
 </file>
 
@@ -33431,6 +33451,10 @@
           <a:bodyPr/>
           <a:lstStyle/>
           <a:p>
+            <a:r>
+              <a:rPr lang="en-GB"/>
+              <a:t/>
+            </a:r>
             <a:br>
               <a:rPr lang="en-GB"/>
             </a:br>
@@ -35657,53 +35681,6 @@
 </file>
 
 <file path=customXml/item1.xml><?xml version="1.0" encoding="utf-8"?>
-<Control xmlns="http://schemas.microsoft.com/VisualStudio/2011/storyboarding/control">
-  <Id Name="7b1e8fd2-01a1-426b-bd91-61729c4fb15a" Revision="1" Stencil="System.MyShapes" StencilVersion="1.0"/>
-</Control>
-</file>
-
-<file path=customXml/item2.xml><?xml version="1.0" encoding="utf-8"?>
-<p:properties xmlns:p="http://schemas.microsoft.com/office/2006/metadata/properties" xmlns:xsi="http://www.w3.org/2001/XMLSchema-instance" xmlns:pc="http://schemas.microsoft.com/office/infopath/2007/PartnerControls">
-  <documentManagement>
-    <TaxCatchAll xmlns="f1a71434-0d91-413c-8244-2da1ec183ffe">
-      <Value>136</Value>
-      <Value>137</Value>
-      <Value>129</Value>
-    </TaxCatchAll>
-    <d0b44e12a34441d7b789960ca4dd9919 xmlns="d274069b-2277-42e2-80a9-4bd7f308c00b">
-      <Terms xmlns="http://schemas.microsoft.com/office/infopath/2007/PartnerControls">
-        <TermInfo xmlns="http://schemas.microsoft.com/office/infopath/2007/PartnerControls">
-          <TermName xmlns="http://schemas.microsoft.com/office/infopath/2007/PartnerControls">Marketing Programs</TermName>
-          <TermId xmlns="http://schemas.microsoft.com/office/infopath/2007/PartnerControls">1aebc9a9-c0ae-4d24-be3d-3c5d2c320ab2</TermId>
-        </TermInfo>
-      </Terms>
-    </d0b44e12a34441d7b789960ca4dd9919>
-    <fcccf9be13a64ad1ae8af8e820bba783 xmlns="d274069b-2277-42e2-80a9-4bd7f308c00b">
-      <Terms xmlns="http://schemas.microsoft.com/office/infopath/2007/PartnerControls">
-        <TermInfo xmlns="http://schemas.microsoft.com/office/infopath/2007/PartnerControls">
-          <TermName xmlns="http://schemas.microsoft.com/office/infopath/2007/PartnerControls">VM</TermName>
-          <TermId xmlns="http://schemas.microsoft.com/office/infopath/2007/PartnerControls">bd2f5117-ca94-4bb7-b283-52aba514be58</TermId>
-        </TermInfo>
-      </Terms>
-    </fcccf9be13a64ad1ae8af8e820bba783>
-    <b65016e8b7834dd391d878bcc1e95df9 xmlns="d274069b-2277-42e2-80a9-4bd7f308c00b">
-      <Terms xmlns="http://schemas.microsoft.com/office/infopath/2007/PartnerControls">
-        <TermInfo xmlns="http://schemas.microsoft.com/office/infopath/2007/PartnerControls">
-          <TermName xmlns="http://schemas.microsoft.com/office/infopath/2007/PartnerControls">Brand</TermName>
-          <TermId xmlns="http://schemas.microsoft.com/office/infopath/2007/PartnerControls">18ae1b75-b608-469b-8309-216975579f08</TermId>
-        </TermInfo>
-      </Terms>
-    </b65016e8b7834dd391d878bcc1e95df9>
-    <_dlc_DocId xmlns="f1a71434-0d91-413c-8244-2da1ec183ffe">SPZKCYURJ6HQ-668101000-53</_dlc_DocId>
-    <_dlc_DocIdUrl xmlns="f1a71434-0d91-413c-8244-2da1ec183ffe">
-      <Url>https://desktop.avl.com/corp/01/0034/07/_layouts/15/DocIdRedir.aspx?ID=SPZKCYURJ6HQ-668101000-53</Url>
-      <Description>SPZKCYURJ6HQ-668101000-53</Description>
-    </_dlc_DocIdUrl>
-  </documentManagement>
-</p:properties>
-</file>
-
-<file path=customXml/item3.xml><?xml version="1.0" encoding="utf-8"?>
 <ct:contentTypeSchema xmlns:ct="http://schemas.microsoft.com/office/2006/metadata/contentType" xmlns:ma="http://schemas.microsoft.com/office/2006/metadata/properties/metaAttributes" ct:_="" ma:_="" ma:contentTypeName="Document" ma:contentTypeID="0x0101002F415E939BDF7B4ABAD54620EBAD0050" ma:contentTypeVersion="9" ma:contentTypeDescription="Create a new document." ma:contentTypeScope="" ma:versionID="95e6e8432c52e5a8d68d8b5a3c763667">
   <xsd:schema xmlns:xsd="http://www.w3.org/2001/XMLSchema" xmlns:xs="http://www.w3.org/2001/XMLSchema" xmlns:p="http://schemas.microsoft.com/office/2006/metadata/properties" xmlns:ns2="f1a71434-0d91-413c-8244-2da1ec183ffe" xmlns:ns3="d274069b-2277-42e2-80a9-4bd7f308c00b" targetNamespace="http://schemas.microsoft.com/office/2006/metadata/properties" ma:root="true" ma:fieldsID="09addb2150905e914dc03bf20de489ee" ns2:_="" ns3:_="">
     <xsd:import namespace="f1a71434-0d91-413c-8244-2da1ec183ffe"/>
@@ -35889,7 +35866,63 @@
 </ct:contentTypeSchema>
 </file>
 
+<file path=customXml/item2.xml><?xml version="1.0" encoding="utf-8"?>
+<p:properties xmlns:p="http://schemas.microsoft.com/office/2006/metadata/properties" xmlns:xsi="http://www.w3.org/2001/XMLSchema-instance" xmlns:pc="http://schemas.microsoft.com/office/infopath/2007/PartnerControls">
+  <documentManagement>
+    <TaxCatchAll xmlns="f1a71434-0d91-413c-8244-2da1ec183ffe">
+      <Value>136</Value>
+      <Value>137</Value>
+      <Value>129</Value>
+    </TaxCatchAll>
+    <d0b44e12a34441d7b789960ca4dd9919 xmlns="d274069b-2277-42e2-80a9-4bd7f308c00b">
+      <Terms xmlns="http://schemas.microsoft.com/office/infopath/2007/PartnerControls">
+        <TermInfo xmlns="http://schemas.microsoft.com/office/infopath/2007/PartnerControls">
+          <TermName xmlns="http://schemas.microsoft.com/office/infopath/2007/PartnerControls">Marketing Programs</TermName>
+          <TermId xmlns="http://schemas.microsoft.com/office/infopath/2007/PartnerControls">1aebc9a9-c0ae-4d24-be3d-3c5d2c320ab2</TermId>
+        </TermInfo>
+      </Terms>
+    </d0b44e12a34441d7b789960ca4dd9919>
+    <fcccf9be13a64ad1ae8af8e820bba783 xmlns="d274069b-2277-42e2-80a9-4bd7f308c00b">
+      <Terms xmlns="http://schemas.microsoft.com/office/infopath/2007/PartnerControls">
+        <TermInfo xmlns="http://schemas.microsoft.com/office/infopath/2007/PartnerControls">
+          <TermName xmlns="http://schemas.microsoft.com/office/infopath/2007/PartnerControls">VM</TermName>
+          <TermId xmlns="http://schemas.microsoft.com/office/infopath/2007/PartnerControls">bd2f5117-ca94-4bb7-b283-52aba514be58</TermId>
+        </TermInfo>
+      </Terms>
+    </fcccf9be13a64ad1ae8af8e820bba783>
+    <b65016e8b7834dd391d878bcc1e95df9 xmlns="d274069b-2277-42e2-80a9-4bd7f308c00b">
+      <Terms xmlns="http://schemas.microsoft.com/office/infopath/2007/PartnerControls">
+        <TermInfo xmlns="http://schemas.microsoft.com/office/infopath/2007/PartnerControls">
+          <TermName xmlns="http://schemas.microsoft.com/office/infopath/2007/PartnerControls">Brand</TermName>
+          <TermId xmlns="http://schemas.microsoft.com/office/infopath/2007/PartnerControls">18ae1b75-b608-469b-8309-216975579f08</TermId>
+        </TermInfo>
+      </Terms>
+    </b65016e8b7834dd391d878bcc1e95df9>
+    <_dlc_DocId xmlns="f1a71434-0d91-413c-8244-2da1ec183ffe">SPZKCYURJ6HQ-668101000-53</_dlc_DocId>
+    <_dlc_DocIdUrl xmlns="f1a71434-0d91-413c-8244-2da1ec183ffe">
+      <Url>https://desktop.avl.com/corp/01/0034/07/_layouts/15/DocIdRedir.aspx?ID=SPZKCYURJ6HQ-668101000-53</Url>
+      <Description>SPZKCYURJ6HQ-668101000-53</Description>
+    </_dlc_DocIdUrl>
+  </documentManagement>
+</p:properties>
+</file>
+
+<file path=customXml/item3.xml><?xml version="1.0" encoding="utf-8"?>
+<Control xmlns="http://schemas.microsoft.com/VisualStudio/2011/storyboarding/control">
+  <Id Name="7b1e8fd2-01a1-426b-bd91-61729c4fb15a" Revision="1" Stencil="System.MyShapes" StencilVersion="1.0"/>
+</Control>
+</file>
+
 <file path=customXml/item4.xml><?xml version="1.0" encoding="utf-8"?>
+<?mso-contentType ?>
+<FormTemplates xmlns="http://schemas.microsoft.com/sharepoint/v3/contenttype/forms">
+  <Display>DocumentLibraryForm</Display>
+  <Edit>DocumentLibraryForm</Edit>
+  <New>DocumentLibraryForm</New>
+</FormTemplates>
+</file>
+
+<file path=customXml/item5.xml><?xml version="1.0" encoding="utf-8"?>
 <?mso-contentType ?>
 <spe:Receivers xmlns:spe="http://schemas.microsoft.com/sharepoint/events">
   <Receiver>
@@ -35935,19 +35968,21 @@
 </spe:Receivers>
 </file>
 
-<file path=customXml/item5.xml><?xml version="1.0" encoding="utf-8"?>
-<?mso-contentType ?>
-<FormTemplates xmlns="http://schemas.microsoft.com/sharepoint/v3/contenttype/forms">
-  <Display>DocumentLibraryForm</Display>
-  <Edit>DocumentLibraryForm</Edit>
-  <New>DocumentLibraryForm</New>
-</FormTemplates>
-</file>
-
 <file path=customXml/itemProps1.xml><?xml version="1.0" encoding="utf-8"?>
-<ds:datastoreItem xmlns:ds="http://schemas.openxmlformats.org/officeDocument/2006/customXml" ds:itemID="{B59ABD6C-A61F-4121-BC23-522623C25B78}">
+<ds:datastoreItem xmlns:ds="http://schemas.openxmlformats.org/officeDocument/2006/customXml" ds:itemID="{10271938-B86F-4895-A370-18BAE3737F56}">
   <ds:schemaRefs>
-    <ds:schemaRef ds:uri="http://schemas.microsoft.com/VisualStudio/2011/storyboarding/control"/>
+    <ds:schemaRef ds:uri="http://schemas.microsoft.com/office/2006/metadata/contentType"/>
+    <ds:schemaRef ds:uri="http://schemas.microsoft.com/office/2006/metadata/properties/metaAttributes"/>
+    <ds:schemaRef ds:uri="http://www.w3.org/2001/XMLSchema"/>
+    <ds:schemaRef ds:uri="http://schemas.microsoft.com/office/2006/metadata/properties"/>
+    <ds:schemaRef ds:uri="f1a71434-0d91-413c-8244-2da1ec183ffe"/>
+    <ds:schemaRef ds:uri="d274069b-2277-42e2-80a9-4bd7f308c00b"/>
+    <ds:schemaRef ds:uri="http://schemas.microsoft.com/office/2006/documentManagement/types"/>
+    <ds:schemaRef ds:uri="http://schemas.microsoft.com/office/infopath/2007/PartnerControls"/>
+    <ds:schemaRef ds:uri="http://schemas.openxmlformats.org/package/2006/metadata/core-properties"/>
+    <ds:schemaRef ds:uri="http://purl.org/dc/elements/1.1/"/>
+    <ds:schemaRef ds:uri="http://purl.org/dc/terms/"/>
+    <ds:schemaRef ds:uri="http://schemas.microsoft.com/internal/obd"/>
   </ds:schemaRefs>
 </ds:datastoreItem>
 </file>
@@ -35970,36 +36005,25 @@
 </file>
 
 <file path=customXml/itemProps3.xml><?xml version="1.0" encoding="utf-8"?>
-<ds:datastoreItem xmlns:ds="http://schemas.openxmlformats.org/officeDocument/2006/customXml" ds:itemID="{10271938-B86F-4895-A370-18BAE3737F56}">
+<ds:datastoreItem xmlns:ds="http://schemas.openxmlformats.org/officeDocument/2006/customXml" ds:itemID="{B59ABD6C-A61F-4121-BC23-522623C25B78}">
   <ds:schemaRefs>
-    <ds:schemaRef ds:uri="http://schemas.microsoft.com/office/2006/metadata/contentType"/>
-    <ds:schemaRef ds:uri="http://schemas.microsoft.com/office/2006/metadata/properties/metaAttributes"/>
-    <ds:schemaRef ds:uri="http://www.w3.org/2001/XMLSchema"/>
-    <ds:schemaRef ds:uri="http://schemas.microsoft.com/office/2006/metadata/properties"/>
-    <ds:schemaRef ds:uri="f1a71434-0d91-413c-8244-2da1ec183ffe"/>
-    <ds:schemaRef ds:uri="d274069b-2277-42e2-80a9-4bd7f308c00b"/>
-    <ds:schemaRef ds:uri="http://schemas.microsoft.com/office/2006/documentManagement/types"/>
-    <ds:schemaRef ds:uri="http://schemas.microsoft.com/office/infopath/2007/PartnerControls"/>
-    <ds:schemaRef ds:uri="http://schemas.openxmlformats.org/package/2006/metadata/core-properties"/>
-    <ds:schemaRef ds:uri="http://purl.org/dc/elements/1.1/"/>
-    <ds:schemaRef ds:uri="http://purl.org/dc/terms/"/>
-    <ds:schemaRef ds:uri="http://schemas.microsoft.com/internal/obd"/>
+    <ds:schemaRef ds:uri="http://schemas.microsoft.com/VisualStudio/2011/storyboarding/control"/>
   </ds:schemaRefs>
 </ds:datastoreItem>
 </file>
 
 <file path=customXml/itemProps4.xml><?xml version="1.0" encoding="utf-8"?>
+<ds:datastoreItem xmlns:ds="http://schemas.openxmlformats.org/officeDocument/2006/customXml" ds:itemID="{242270D3-6CE7-4FFA-8CA3-54347467741C}">
+  <ds:schemaRefs>
+    <ds:schemaRef ds:uri="http://schemas.microsoft.com/sharepoint/v3/contenttype/forms"/>
+  </ds:schemaRefs>
+</ds:datastoreItem>
+</file>
+
+<file path=customXml/itemProps5.xml><?xml version="1.0" encoding="utf-8"?>
 <ds:datastoreItem xmlns:ds="http://schemas.openxmlformats.org/officeDocument/2006/customXml" ds:itemID="{A21206DA-39E7-48E0-80F2-7813B753AF86}">
   <ds:schemaRefs>
     <ds:schemaRef ds:uri="http://schemas.microsoft.com/sharepoint/events"/>
   </ds:schemaRefs>
 </ds:datastoreItem>
-</file>
-
-<file path=customXml/itemProps5.xml><?xml version="1.0" encoding="utf-8"?>
-<ds:datastoreItem xmlns:ds="http://schemas.openxmlformats.org/officeDocument/2006/customXml" ds:itemID="{242270D3-6CE7-4FFA-8CA3-54347467741C}">
-  <ds:schemaRefs>
-    <ds:schemaRef ds:uri="http://schemas.microsoft.com/sharepoint/v3/contenttype/forms"/>
-  </ds:schemaRefs>
-</ds:datastoreItem>
 </file>